--- a/wsnlab-ss25-kickoff-group2.pptx
+++ b/wsnlab-ss25-kickoff-group2.pptx
@@ -3,20 +3,21 @@
 <p:presentation xmlns:a="http://schemas.openxmlformats.org/drawingml/2006/main" xmlns:r="http://schemas.openxmlformats.org/officeDocument/2006/relationships" xmlns:p="http://schemas.openxmlformats.org/presentationml/2006/main">
   <p:sldMasterIdLst>
     <p:sldMasterId id="2147483648" r:id="rId1"/>
+    <p:sldMasterId id="2147483660" r:id="rId2"/>
   </p:sldMasterIdLst>
   <p:sldIdLst>
-    <p:sldId id="256" r:id="rId2"/>
-    <p:sldId id="257" r:id="rId3"/>
-    <p:sldId id="258" r:id="rId4"/>
-    <p:sldId id="263" r:id="rId5"/>
-    <p:sldId id="264" r:id="rId6"/>
-    <p:sldId id="265" r:id="rId7"/>
-    <p:sldId id="266" r:id="rId8"/>
-    <p:sldId id="267" r:id="rId9"/>
-    <p:sldId id="268" r:id="rId10"/>
-    <p:sldId id="269" r:id="rId11"/>
-    <p:sldId id="261" r:id="rId12"/>
-    <p:sldId id="262" r:id="rId13"/>
+    <p:sldId id="356" r:id="rId3"/>
+    <p:sldId id="257" r:id="rId4"/>
+    <p:sldId id="258" r:id="rId5"/>
+    <p:sldId id="263" r:id="rId6"/>
+    <p:sldId id="264" r:id="rId7"/>
+    <p:sldId id="265" r:id="rId8"/>
+    <p:sldId id="266" r:id="rId9"/>
+    <p:sldId id="267" r:id="rId10"/>
+    <p:sldId id="268" r:id="rId11"/>
+    <p:sldId id="269" r:id="rId12"/>
+    <p:sldId id="261" r:id="rId13"/>
+    <p:sldId id="262" r:id="rId14"/>
   </p:sldIdLst>
   <p:sldSz cx="12192000" cy="6858000"/>
   <p:notesSz cx="6858000" cy="9144000"/>
@@ -1147,7 +1148,7 @@
           <a:p>
             <a:fld id="{D997B5FA-0921-464F-AAE1-844C04324D75}" type="datetimeFigureOut">
               <a:rPr lang="zh-CN" altLang="en-US" smtClean="0"/>
-              <a:t>2025/6/1</a:t>
+              <a:t>2025/6/3</a:t>
             </a:fld>
             <a:endParaRPr lang="zh-CN" altLang="en-US"/>
           </a:p>
@@ -1310,7 +1311,7 @@
           <a:p>
             <a:fld id="{D997B5FA-0921-464F-AAE1-844C04324D75}" type="datetimeFigureOut">
               <a:rPr lang="zh-CN" altLang="en-US" smtClean="0"/>
-              <a:t>2025/6/1</a:t>
+              <a:t>2025/6/3</a:t>
             </a:fld>
             <a:endParaRPr lang="zh-CN" altLang="en-US"/>
           </a:p>
@@ -1483,7 +1484,7 @@
           <a:p>
             <a:fld id="{D997B5FA-0921-464F-AAE1-844C04324D75}" type="datetimeFigureOut">
               <a:rPr lang="zh-CN" altLang="en-US" smtClean="0"/>
-              <a:t>2025/6/1</a:t>
+              <a:t>2025/6/3</a:t>
             </a:fld>
             <a:endParaRPr lang="zh-CN" altLang="en-US"/>
           </a:p>
@@ -1532,6 +1533,218 @@
         </p:txBody>
       </p:sp>
     </p:spTree>
+  </p:cSld>
+  <p:clrMapOvr>
+    <a:masterClrMapping/>
+  </p:clrMapOvr>
+</p:sldLayout>
+</file>
+
+<file path=ppt/slideLayouts/slideLayout12.xml><?xml version="1.0" encoding="utf-8"?>
+<p:sldLayout xmlns:a="http://schemas.openxmlformats.org/drawingml/2006/main" xmlns:r="http://schemas.openxmlformats.org/officeDocument/2006/relationships" xmlns:p="http://schemas.openxmlformats.org/presentationml/2006/main" preserve="1" userDrawn="1">
+  <p:cSld name="Start">
+    <p:spTree>
+      <p:nvGrpSpPr>
+        <p:cNvPr id="1" name=""/>
+        <p:cNvGrpSpPr/>
+        <p:nvPr/>
+      </p:nvGrpSpPr>
+      <p:grpSpPr>
+        <a:xfrm>
+          <a:off x="0" y="0"/>
+          <a:ext cx="0" cy="0"/>
+          <a:chOff x="0" y="0"/>
+          <a:chExt cx="0" cy="0"/>
+        </a:xfrm>
+      </p:grpSpPr>
+      <p:sp>
+        <p:nvSpPr>
+          <p:cNvPr id="12" name="Titel 1"/>
+          <p:cNvSpPr>
+            <a:spLocks noGrp="1"/>
+          </p:cNvSpPr>
+          <p:nvPr>
+            <p:ph type="title" hasCustomPrompt="1"/>
+          </p:nvPr>
+        </p:nvSpPr>
+        <p:spPr>
+          <a:xfrm>
+            <a:off x="425454" y="1296000"/>
+            <a:ext cx="11345332" cy="501651"/>
+          </a:xfrm>
+          <a:prstGeom prst="rect">
+            <a:avLst/>
+          </a:prstGeom>
+          <a:noFill/>
+          <a:ln w="9525">
+            <a:noFill/>
+            <a:miter lim="800000"/>
+            <a:headEnd/>
+            <a:tailEnd/>
+          </a:ln>
+        </p:spPr>
+        <p:txBody>
+          <a:bodyPr vert="horz" wrap="square" lIns="0" tIns="0" rIns="0" bIns="0" numCol="1" anchor="t" anchorCtr="0" compatLnSpc="1">
+            <a:prstTxWarp prst="textNoShape">
+              <a:avLst/>
+            </a:prstTxWarp>
+          </a:bodyPr>
+          <a:lstStyle>
+            <a:lvl1pPr>
+              <a:lnSpc>
+                <a:spcPts val="4267"/>
+              </a:lnSpc>
+              <a:defRPr lang="de-DE" sz="3333" noProof="0" dirty="0">
+                <a:solidFill>
+                  <a:schemeClr val="bg1"/>
+                </a:solidFill>
+              </a:defRPr>
+            </a:lvl1pPr>
+          </a:lstStyle>
+          <a:p>
+            <a:pPr lvl="0"/>
+            <a:r>
+              <a:rPr lang="de-DE" noProof="0" dirty="0"/>
+              <a:t>Titel der Präsentation durch Klicken bearbeiten</a:t>
+            </a:r>
+          </a:p>
+        </p:txBody>
+      </p:sp>
+      <p:sp>
+        <p:nvSpPr>
+          <p:cNvPr id="16" name="Inhaltsplatzhalter 2"/>
+          <p:cNvSpPr>
+            <a:spLocks noGrp="1"/>
+          </p:cNvSpPr>
+          <p:nvPr>
+            <p:ph idx="10" hasCustomPrompt="1"/>
+          </p:nvPr>
+        </p:nvSpPr>
+        <p:spPr>
+          <a:xfrm>
+            <a:off x="425451" y="1978720"/>
+            <a:ext cx="11345332" cy="1274125"/>
+          </a:xfrm>
+          <a:prstGeom prst="rect">
+            <a:avLst/>
+          </a:prstGeom>
+          <a:noFill/>
+          <a:ln w="9525">
+            <a:noFill/>
+            <a:miter lim="800000"/>
+            <a:headEnd/>
+            <a:tailEnd/>
+          </a:ln>
+        </p:spPr>
+        <p:txBody>
+          <a:bodyPr vert="horz" wrap="square" lIns="0" tIns="0" rIns="0" bIns="0" numCol="1" anchor="t" anchorCtr="0" compatLnSpc="1">
+            <a:prstTxWarp prst="textNoShape">
+              <a:avLst/>
+            </a:prstTxWarp>
+          </a:bodyPr>
+          <a:lstStyle>
+            <a:lvl1pPr>
+              <a:lnSpc>
+                <a:spcPct val="150000"/>
+              </a:lnSpc>
+              <a:defRPr lang="de-DE" sz="2133" baseline="0" noProof="0" dirty="0" smtClean="0">
+                <a:solidFill>
+                  <a:schemeClr val="bg1"/>
+                </a:solidFill>
+              </a:defRPr>
+            </a:lvl1pPr>
+            <a:lvl2pPr>
+              <a:defRPr lang="de-DE" noProof="0" dirty="0" smtClean="0"/>
+            </a:lvl2pPr>
+          </a:lstStyle>
+          <a:p>
+            <a:pPr lvl="0"/>
+            <a:r>
+              <a:rPr lang="de-DE" noProof="0" dirty="0"/>
+              <a:t>Referent</a:t>
+            </a:r>
+            <a:br>
+              <a:rPr lang="de-DE" noProof="0" dirty="0"/>
+            </a:br>
+            <a:r>
+              <a:rPr lang="de-DE" noProof="0" dirty="0"/>
+              <a:t>Ort, Datum (Schreibweise: 00. Januar 2015)</a:t>
+            </a:r>
+          </a:p>
+        </p:txBody>
+      </p:sp>
+      <p:sp>
+        <p:nvSpPr>
+          <p:cNvPr id="5" name="Foliennummernplatzhalter 4"/>
+          <p:cNvSpPr>
+            <a:spLocks noGrp="1"/>
+          </p:cNvSpPr>
+          <p:nvPr>
+            <p:ph type="sldNum" sz="quarter" idx="12"/>
+          </p:nvPr>
+        </p:nvSpPr>
+        <p:spPr/>
+        <p:txBody>
+          <a:bodyPr/>
+          <a:lstStyle>
+            <a:lvl1pPr>
+              <a:defRPr>
+                <a:solidFill>
+                  <a:schemeClr val="bg1"/>
+                </a:solidFill>
+              </a:defRPr>
+            </a:lvl1pPr>
+          </a:lstStyle>
+          <a:p>
+            <a:fld id="{CE58CB1E-F828-4F11-99E0-327109AF9DA4}" type="slidenum">
+              <a:rPr lang="de-DE" smtClean="0"/>
+              <a:pPr/>
+              <a:t>‹#›</a:t>
+            </a:fld>
+            <a:endParaRPr lang="de-DE" dirty="0"/>
+          </a:p>
+        </p:txBody>
+      </p:sp>
+      <p:sp>
+        <p:nvSpPr>
+          <p:cNvPr id="7" name="Fußzeilenplatzhalter 6"/>
+          <p:cNvSpPr>
+            <a:spLocks noGrp="1"/>
+          </p:cNvSpPr>
+          <p:nvPr>
+            <p:ph type="ftr" sz="quarter" idx="13"/>
+          </p:nvPr>
+        </p:nvSpPr>
+        <p:spPr/>
+        <p:txBody>
+          <a:bodyPr/>
+          <a:lstStyle>
+            <a:lvl1pPr>
+              <a:defRPr>
+                <a:solidFill>
+                  <a:schemeClr val="bg1"/>
+                </a:solidFill>
+              </a:defRPr>
+            </a:lvl1pPr>
+          </a:lstStyle>
+          <a:p>
+            <a:r>
+              <a:rPr lang="de-DE" dirty="0"/>
+              <a:t>Prof. Dr.-Ing. Ralf Brederlow |</a:t>
+            </a:r>
+            <a:endParaRPr lang="en-US" dirty="0"/>
+          </a:p>
+          <a:p>
+            <a:endParaRPr lang="en-US" dirty="0"/>
+          </a:p>
+        </p:txBody>
+      </p:sp>
+    </p:spTree>
+    <p:extLst>
+      <p:ext uri="{BB962C8B-B14F-4D97-AF65-F5344CB8AC3E}">
+        <p14:creationId xmlns:p14="http://schemas.microsoft.com/office/powerpoint/2010/main" val="3305639149"/>
+      </p:ext>
+    </p:extLst>
   </p:cSld>
   <p:clrMapOvr>
     <a:masterClrMapping/>
@@ -1646,7 +1859,7 @@
           <a:p>
             <a:fld id="{D997B5FA-0921-464F-AAE1-844C04324D75}" type="datetimeFigureOut">
               <a:rPr lang="zh-CN" altLang="en-US" smtClean="0"/>
-              <a:t>2025/6/1</a:t>
+              <a:t>2025/6/3</a:t>
             </a:fld>
             <a:endParaRPr lang="zh-CN" altLang="en-US"/>
           </a:p>
@@ -1886,7 +2099,7 @@
           <a:p>
             <a:fld id="{D997B5FA-0921-464F-AAE1-844C04324D75}" type="datetimeFigureOut">
               <a:rPr lang="zh-CN" altLang="en-US" smtClean="0"/>
-              <a:t>2025/6/1</a:t>
+              <a:t>2025/6/3</a:t>
             </a:fld>
             <a:endParaRPr lang="zh-CN" altLang="en-US"/>
           </a:p>
@@ -2110,7 +2323,7 @@
           <a:p>
             <a:fld id="{D997B5FA-0921-464F-AAE1-844C04324D75}" type="datetimeFigureOut">
               <a:rPr lang="zh-CN" altLang="en-US" smtClean="0"/>
-              <a:t>2025/6/1</a:t>
+              <a:t>2025/6/3</a:t>
             </a:fld>
             <a:endParaRPr lang="zh-CN" altLang="en-US"/>
           </a:p>
@@ -2469,7 +2682,7 @@
           <a:p>
             <a:fld id="{D997B5FA-0921-464F-AAE1-844C04324D75}" type="datetimeFigureOut">
               <a:rPr lang="zh-CN" altLang="en-US" smtClean="0"/>
-              <a:t>2025/6/1</a:t>
+              <a:t>2025/6/3</a:t>
             </a:fld>
             <a:endParaRPr lang="zh-CN" altLang="en-US"/>
           </a:p>
@@ -2581,7 +2794,7 @@
           <a:p>
             <a:fld id="{D997B5FA-0921-464F-AAE1-844C04324D75}" type="datetimeFigureOut">
               <a:rPr lang="zh-CN" altLang="en-US" smtClean="0"/>
-              <a:t>2025/6/1</a:t>
+              <a:t>2025/6/3</a:t>
             </a:fld>
             <a:endParaRPr lang="zh-CN" altLang="en-US"/>
           </a:p>
@@ -2671,7 +2884,7 @@
           <a:p>
             <a:fld id="{D997B5FA-0921-464F-AAE1-844C04324D75}" type="datetimeFigureOut">
               <a:rPr lang="zh-CN" altLang="en-US" smtClean="0"/>
-              <a:t>2025/6/1</a:t>
+              <a:t>2025/6/3</a:t>
             </a:fld>
             <a:endParaRPr lang="zh-CN" altLang="en-US"/>
           </a:p>
@@ -2941,7 +3154,7 @@
           <a:p>
             <a:fld id="{D997B5FA-0921-464F-AAE1-844C04324D75}" type="datetimeFigureOut">
               <a:rPr lang="zh-CN" altLang="en-US" smtClean="0"/>
-              <a:t>2025/6/1</a:t>
+              <a:t>2025/6/3</a:t>
             </a:fld>
             <a:endParaRPr lang="zh-CN" altLang="en-US"/>
           </a:p>
@@ -3188,7 +3401,7 @@
           <a:p>
             <a:fld id="{D997B5FA-0921-464F-AAE1-844C04324D75}" type="datetimeFigureOut">
               <a:rPr lang="zh-CN" altLang="en-US" smtClean="0"/>
-              <a:t>2025/6/1</a:t>
+              <a:t>2025/6/3</a:t>
             </a:fld>
             <a:endParaRPr lang="zh-CN" altLang="en-US"/>
           </a:p>
@@ -3394,7 +3607,7 @@
           <a:p>
             <a:fld id="{D997B5FA-0921-464F-AAE1-844C04324D75}" type="datetimeFigureOut">
               <a:rPr lang="zh-CN" altLang="en-US" smtClean="0"/>
-              <a:t>2025/6/1</a:t>
+              <a:t>2025/6/3</a:t>
             </a:fld>
             <a:endParaRPr lang="zh-CN" altLang="en-US"/>
           </a:p>
@@ -3777,6 +3990,619 @@
 </p:sldMaster>
 </file>
 
+<file path=ppt/slideMasters/slideMaster2.xml><?xml version="1.0" encoding="utf-8"?>
+<p:sldMaster xmlns:a="http://schemas.openxmlformats.org/drawingml/2006/main" xmlns:r="http://schemas.openxmlformats.org/officeDocument/2006/relationships" xmlns:p="http://schemas.openxmlformats.org/presentationml/2006/main" preserve="1">
+  <p:cSld>
+    <p:bg>
+      <p:bgRef idx="1001">
+        <a:schemeClr val="bg1"/>
+      </p:bgRef>
+    </p:bg>
+    <p:spTree>
+      <p:nvGrpSpPr>
+        <p:cNvPr id="1" name=""/>
+        <p:cNvGrpSpPr/>
+        <p:nvPr/>
+      </p:nvGrpSpPr>
+      <p:grpSpPr>
+        <a:xfrm>
+          <a:off x="0" y="0"/>
+          <a:ext cx="0" cy="0"/>
+          <a:chOff x="0" y="0"/>
+          <a:chExt cx="0" cy="0"/>
+        </a:xfrm>
+      </p:grpSpPr>
+      <p:sp>
+        <p:nvSpPr>
+          <p:cNvPr id="23" name="Textfeld 22"/>
+          <p:cNvSpPr txBox="1"/>
+          <p:nvPr/>
+        </p:nvSpPr>
+        <p:spPr>
+          <a:xfrm>
+            <a:off x="10284440" y="6586709"/>
+            <a:ext cx="1487168" cy="257250"/>
+          </a:xfrm>
+          <a:prstGeom prst="rect">
+            <a:avLst/>
+          </a:prstGeom>
+        </p:spPr>
+        <p:txBody>
+          <a:bodyPr wrap="square" lIns="0" tIns="0" rIns="0" bIns="0" rtlCol="0" anchor="b" anchorCtr="0">
+            <a:spAutoFit/>
+          </a:bodyPr>
+          <a:lstStyle/>
+          <a:p>
+            <a:pPr algn="r">
+              <a:lnSpc>
+                <a:spcPct val="114000"/>
+              </a:lnSpc>
+            </a:pPr>
+            <a:fld id="{C51078C5-4710-4254-8001-F1C0900803FD}" type="slidenum">
+              <a:rPr lang="de-DE" sz="1600" smtClean="0">
+                <a:latin typeface="+mn-lt"/>
+                <a:cs typeface="Arial" pitchFamily="34" charset="0"/>
+              </a:rPr>
+              <a:pPr algn="r">
+                <a:lnSpc>
+                  <a:spcPct val="114000"/>
+                </a:lnSpc>
+              </a:pPr>
+              <a:t>‹#›</a:t>
+            </a:fld>
+            <a:endParaRPr lang="de-DE" sz="1600" dirty="0">
+              <a:latin typeface="+mn-lt"/>
+              <a:cs typeface="Arial" pitchFamily="34" charset="0"/>
+            </a:endParaRPr>
+          </a:p>
+        </p:txBody>
+      </p:sp>
+      <p:pic>
+        <p:nvPicPr>
+          <p:cNvPr id="5" name="Bild 4" descr="Fahnen_HG.jpg"/>
+          <p:cNvPicPr>
+            <a:picLocks noChangeAspect="1"/>
+          </p:cNvPicPr>
+          <p:nvPr/>
+        </p:nvPicPr>
+        <p:blipFill>
+          <a:blip r:embed="rId3" cstate="screen"/>
+          <a:srcRect l="398" t="14167" b="10833"/>
+          <a:stretch>
+            <a:fillRect/>
+          </a:stretch>
+        </p:blipFill>
+        <p:spPr>
+          <a:xfrm>
+            <a:off x="-165004" y="0"/>
+            <a:ext cx="12192000" cy="6858000"/>
+          </a:xfrm>
+          <a:prstGeom prst="rect">
+            <a:avLst/>
+          </a:prstGeom>
+        </p:spPr>
+      </p:pic>
+      <p:pic>
+        <p:nvPicPr>
+          <p:cNvPr id="7" name="Bild 6" descr="20150416 tum logo blau png final.png"/>
+          <p:cNvPicPr>
+            <a:picLocks noChangeAspect="1"/>
+          </p:cNvPicPr>
+          <p:nvPr/>
+        </p:nvPicPr>
+        <p:blipFill>
+          <a:blip r:embed="rId4"/>
+          <a:stretch>
+            <a:fillRect/>
+          </a:stretch>
+        </p:blipFill>
+        <p:spPr>
+          <a:xfrm>
+            <a:off x="10958401" y="432000"/>
+            <a:ext cx="799351" cy="427051"/>
+          </a:xfrm>
+          <a:prstGeom prst="rect">
+            <a:avLst/>
+          </a:prstGeom>
+        </p:spPr>
+      </p:pic>
+      <p:sp>
+        <p:nvSpPr>
+          <p:cNvPr id="8" name="Foliennummernplatzhalter 4"/>
+          <p:cNvSpPr>
+            <a:spLocks noGrp="1"/>
+          </p:cNvSpPr>
+          <p:nvPr>
+            <p:ph type="sldNum" sz="quarter" idx="4"/>
+          </p:nvPr>
+        </p:nvSpPr>
+        <p:spPr>
+          <a:xfrm>
+            <a:off x="9033245" y="6473314"/>
+            <a:ext cx="2736000" cy="365125"/>
+          </a:xfrm>
+          <a:prstGeom prst="rect">
+            <a:avLst/>
+          </a:prstGeom>
+        </p:spPr>
+        <p:txBody>
+          <a:bodyPr vert="horz" lIns="0" tIns="45720" rIns="0" bIns="45720" rtlCol="0" anchor="ctr"/>
+          <a:lstStyle>
+            <a:lvl1pPr algn="r">
+              <a:defRPr sz="1467">
+                <a:solidFill>
+                  <a:schemeClr val="bg1"/>
+                </a:solidFill>
+              </a:defRPr>
+            </a:lvl1pPr>
+          </a:lstStyle>
+          <a:p>
+            <a:fld id="{CE58CB1E-F828-4F11-99E0-327109AF9DA4}" type="slidenum">
+              <a:rPr lang="de-DE" smtClean="0"/>
+              <a:pPr/>
+              <a:t>‹#›</a:t>
+            </a:fld>
+            <a:endParaRPr lang="de-DE"/>
+          </a:p>
+        </p:txBody>
+      </p:sp>
+      <p:sp>
+        <p:nvSpPr>
+          <p:cNvPr id="10" name="Fußzeilenplatzhalter 3"/>
+          <p:cNvSpPr>
+            <a:spLocks noGrp="1"/>
+          </p:cNvSpPr>
+          <p:nvPr>
+            <p:ph type="ftr" sz="quarter" idx="3"/>
+          </p:nvPr>
+        </p:nvSpPr>
+        <p:spPr>
+          <a:xfrm>
+            <a:off x="414883" y="6473314"/>
+            <a:ext cx="8619040" cy="365125"/>
+          </a:xfrm>
+          <a:prstGeom prst="rect">
+            <a:avLst/>
+          </a:prstGeom>
+        </p:spPr>
+        <p:txBody>
+          <a:bodyPr vert="horz" lIns="0" tIns="45720" rIns="0" bIns="45720" rtlCol="0" anchor="ctr"/>
+          <a:lstStyle>
+            <a:lvl1pPr algn="l">
+              <a:defRPr sz="1467">
+                <a:solidFill>
+                  <a:schemeClr val="bg1"/>
+                </a:solidFill>
+              </a:defRPr>
+            </a:lvl1pPr>
+          </a:lstStyle>
+          <a:p>
+            <a:r>
+              <a:rPr lang="de-DE" dirty="0"/>
+              <a:t>Prof. Dr.-Ing. Ralf Brederlow |</a:t>
+            </a:r>
+            <a:endParaRPr lang="en-US" dirty="0"/>
+          </a:p>
+        </p:txBody>
+      </p:sp>
+    </p:spTree>
+    <p:extLst>
+      <p:ext uri="{BB962C8B-B14F-4D97-AF65-F5344CB8AC3E}">
+        <p14:creationId xmlns:p14="http://schemas.microsoft.com/office/powerpoint/2010/main" val="2793139479"/>
+      </p:ext>
+    </p:extLst>
+  </p:cSld>
+  <p:clrMap bg1="lt1" tx1="dk1" bg2="lt2" tx2="dk2" accent1="accent1" accent2="accent2" accent3="accent3" accent4="accent4" accent5="accent5" accent6="accent6" hlink="hlink" folHlink="folHlink"/>
+  <p:sldLayoutIdLst>
+    <p:sldLayoutId id="2147483661" r:id="rId1"/>
+  </p:sldLayoutIdLst>
+  <p:hf hdr="0" dt="0"/>
+  <p:txStyles>
+    <p:titleStyle>
+      <a:lvl1pPr algn="l" rtl="0" eaLnBrk="0" fontAlgn="base" hangingPunct="0">
+        <a:lnSpc>
+          <a:spcPct val="125000"/>
+        </a:lnSpc>
+        <a:spcBef>
+          <a:spcPct val="0"/>
+        </a:spcBef>
+        <a:spcAft>
+          <a:spcPct val="0"/>
+        </a:spcAft>
+        <a:defRPr sz="2933" b="0" kern="1200">
+          <a:solidFill>
+            <a:schemeClr val="tx1"/>
+          </a:solidFill>
+          <a:latin typeface="+mj-lt"/>
+          <a:ea typeface="+mj-ea"/>
+          <a:cs typeface="+mj-cs"/>
+        </a:defRPr>
+      </a:lvl1pPr>
+      <a:lvl2pPr algn="l" rtl="0" eaLnBrk="0" fontAlgn="base" hangingPunct="0">
+        <a:spcBef>
+          <a:spcPct val="0"/>
+        </a:spcBef>
+        <a:spcAft>
+          <a:spcPct val="0"/>
+        </a:spcAft>
+        <a:defRPr sz="2667" b="1">
+          <a:solidFill>
+            <a:schemeClr val="tx2"/>
+          </a:solidFill>
+          <a:latin typeface="Arial" charset="0"/>
+          <a:cs typeface="Arial" charset="0"/>
+        </a:defRPr>
+      </a:lvl2pPr>
+      <a:lvl3pPr algn="l" rtl="0" eaLnBrk="0" fontAlgn="base" hangingPunct="0">
+        <a:spcBef>
+          <a:spcPct val="0"/>
+        </a:spcBef>
+        <a:spcAft>
+          <a:spcPct val="0"/>
+        </a:spcAft>
+        <a:defRPr sz="2667" b="1">
+          <a:solidFill>
+            <a:schemeClr val="tx2"/>
+          </a:solidFill>
+          <a:latin typeface="Arial" charset="0"/>
+          <a:cs typeface="Arial" charset="0"/>
+        </a:defRPr>
+      </a:lvl3pPr>
+      <a:lvl4pPr algn="l" rtl="0" eaLnBrk="0" fontAlgn="base" hangingPunct="0">
+        <a:spcBef>
+          <a:spcPct val="0"/>
+        </a:spcBef>
+        <a:spcAft>
+          <a:spcPct val="0"/>
+        </a:spcAft>
+        <a:defRPr sz="2667" b="1">
+          <a:solidFill>
+            <a:schemeClr val="tx2"/>
+          </a:solidFill>
+          <a:latin typeface="Arial" charset="0"/>
+          <a:cs typeface="Arial" charset="0"/>
+        </a:defRPr>
+      </a:lvl4pPr>
+      <a:lvl5pPr algn="l" rtl="0" eaLnBrk="0" fontAlgn="base" hangingPunct="0">
+        <a:spcBef>
+          <a:spcPct val="0"/>
+        </a:spcBef>
+        <a:spcAft>
+          <a:spcPct val="0"/>
+        </a:spcAft>
+        <a:defRPr sz="2667" b="1">
+          <a:solidFill>
+            <a:schemeClr val="tx2"/>
+          </a:solidFill>
+          <a:latin typeface="Arial" charset="0"/>
+          <a:cs typeface="Arial" charset="0"/>
+        </a:defRPr>
+      </a:lvl5pPr>
+      <a:lvl6pPr marL="609585" algn="l" rtl="0" fontAlgn="base">
+        <a:spcBef>
+          <a:spcPct val="0"/>
+        </a:spcBef>
+        <a:spcAft>
+          <a:spcPct val="0"/>
+        </a:spcAft>
+        <a:defRPr sz="2667" b="1">
+          <a:solidFill>
+            <a:schemeClr val="tx2"/>
+          </a:solidFill>
+          <a:latin typeface="Arial" charset="0"/>
+          <a:cs typeface="Arial" charset="0"/>
+        </a:defRPr>
+      </a:lvl6pPr>
+      <a:lvl7pPr marL="1219170" algn="l" rtl="0" fontAlgn="base">
+        <a:spcBef>
+          <a:spcPct val="0"/>
+        </a:spcBef>
+        <a:spcAft>
+          <a:spcPct val="0"/>
+        </a:spcAft>
+        <a:defRPr sz="2667" b="1">
+          <a:solidFill>
+            <a:schemeClr val="tx2"/>
+          </a:solidFill>
+          <a:latin typeface="Arial" charset="0"/>
+          <a:cs typeface="Arial" charset="0"/>
+        </a:defRPr>
+      </a:lvl7pPr>
+      <a:lvl8pPr marL="1828754" algn="l" rtl="0" fontAlgn="base">
+        <a:spcBef>
+          <a:spcPct val="0"/>
+        </a:spcBef>
+        <a:spcAft>
+          <a:spcPct val="0"/>
+        </a:spcAft>
+        <a:defRPr sz="2667" b="1">
+          <a:solidFill>
+            <a:schemeClr val="tx2"/>
+          </a:solidFill>
+          <a:latin typeface="Arial" charset="0"/>
+          <a:cs typeface="Arial" charset="0"/>
+        </a:defRPr>
+      </a:lvl8pPr>
+      <a:lvl9pPr marL="2438339" algn="l" rtl="0" fontAlgn="base">
+        <a:spcBef>
+          <a:spcPct val="0"/>
+        </a:spcBef>
+        <a:spcAft>
+          <a:spcPct val="0"/>
+        </a:spcAft>
+        <a:defRPr sz="2667" b="1">
+          <a:solidFill>
+            <a:schemeClr val="tx2"/>
+          </a:solidFill>
+          <a:latin typeface="Arial" charset="0"/>
+          <a:cs typeface="Arial" charset="0"/>
+        </a:defRPr>
+      </a:lvl9pPr>
+    </p:titleStyle>
+    <p:bodyStyle>
+      <a:lvl1pPr algn="l" rtl="0" eaLnBrk="0" fontAlgn="base" hangingPunct="0">
+        <a:lnSpc>
+          <a:spcPct val="100000"/>
+        </a:lnSpc>
+        <a:spcBef>
+          <a:spcPct val="0"/>
+        </a:spcBef>
+        <a:spcAft>
+          <a:spcPct val="0"/>
+        </a:spcAft>
+        <a:defRPr sz="2133" kern="1200">
+          <a:solidFill>
+            <a:schemeClr val="tx1"/>
+          </a:solidFill>
+          <a:latin typeface="+mn-lt"/>
+          <a:ea typeface="+mn-ea"/>
+          <a:cs typeface="+mn-cs"/>
+        </a:defRPr>
+      </a:lvl1pPr>
+      <a:lvl2pPr marL="234945" indent="-234945" algn="l" rtl="0" eaLnBrk="0" fontAlgn="base" hangingPunct="0">
+        <a:lnSpc>
+          <a:spcPct val="100000"/>
+        </a:lnSpc>
+        <a:spcBef>
+          <a:spcPct val="0"/>
+        </a:spcBef>
+        <a:spcAft>
+          <a:spcPct val="0"/>
+        </a:spcAft>
+        <a:buFont typeface="Arial" charset="0"/>
+        <a:buChar char="•"/>
+        <a:defRPr sz="2133" kern="1200">
+          <a:solidFill>
+            <a:schemeClr val="tx1"/>
+          </a:solidFill>
+          <a:latin typeface="+mn-lt"/>
+          <a:ea typeface="+mn-ea"/>
+          <a:cs typeface="+mn-cs"/>
+        </a:defRPr>
+      </a:lvl2pPr>
+      <a:lvl3pPr marL="480472" indent="-245527" algn="l" rtl="0" eaLnBrk="0" fontAlgn="base" hangingPunct="0">
+        <a:lnSpc>
+          <a:spcPct val="125000"/>
+        </a:lnSpc>
+        <a:spcBef>
+          <a:spcPct val="0"/>
+        </a:spcBef>
+        <a:spcAft>
+          <a:spcPct val="0"/>
+        </a:spcAft>
+        <a:buFont typeface="Symbol" pitchFamily="18" charset="2"/>
+        <a:buChar char="-"/>
+        <a:defRPr sz="1867" kern="1200">
+          <a:solidFill>
+            <a:schemeClr val="tx1"/>
+          </a:solidFill>
+          <a:latin typeface="+mn-lt"/>
+          <a:ea typeface="+mn-ea"/>
+          <a:cs typeface="+mn-cs"/>
+        </a:defRPr>
+      </a:lvl3pPr>
+      <a:lvl4pPr marL="717533" indent="-237061" algn="l" rtl="0" eaLnBrk="0" fontAlgn="base" hangingPunct="0">
+        <a:lnSpc>
+          <a:spcPct val="125000"/>
+        </a:lnSpc>
+        <a:spcBef>
+          <a:spcPct val="0"/>
+        </a:spcBef>
+        <a:spcAft>
+          <a:spcPct val="0"/>
+        </a:spcAft>
+        <a:buFont typeface="Symbol" pitchFamily="18" charset="2"/>
+        <a:buChar char="-"/>
+        <a:defRPr sz="1867" kern="1200">
+          <a:solidFill>
+            <a:schemeClr val="tx1"/>
+          </a:solidFill>
+          <a:latin typeface="+mn-lt"/>
+          <a:ea typeface="+mn-ea"/>
+          <a:cs typeface="+mn-cs"/>
+        </a:defRPr>
+      </a:lvl4pPr>
+      <a:lvl5pPr marL="952476" indent="-234945" algn="l" rtl="0" eaLnBrk="0" fontAlgn="base" hangingPunct="0">
+        <a:lnSpc>
+          <a:spcPct val="125000"/>
+        </a:lnSpc>
+        <a:spcBef>
+          <a:spcPct val="0"/>
+        </a:spcBef>
+        <a:spcAft>
+          <a:spcPct val="0"/>
+        </a:spcAft>
+        <a:buFont typeface="Symbol" pitchFamily="18" charset="2"/>
+        <a:buChar char="-"/>
+        <a:defRPr sz="1867" kern="1200">
+          <a:solidFill>
+            <a:schemeClr val="tx1"/>
+          </a:solidFill>
+          <a:latin typeface="+mn-lt"/>
+          <a:ea typeface="+mn-ea"/>
+          <a:cs typeface="+mn-cs"/>
+        </a:defRPr>
+      </a:lvl5pPr>
+      <a:lvl6pPr marL="3352716" indent="-304792" algn="l" defTabSz="1219170" rtl="0" eaLnBrk="1" latinLnBrk="0" hangingPunct="1">
+        <a:spcBef>
+          <a:spcPct val="20000"/>
+        </a:spcBef>
+        <a:buFont typeface="Arial" pitchFamily="34" charset="0"/>
+        <a:buChar char="•"/>
+        <a:defRPr sz="2667" kern="1200">
+          <a:solidFill>
+            <a:schemeClr val="tx1"/>
+          </a:solidFill>
+          <a:latin typeface="+mn-lt"/>
+          <a:ea typeface="+mn-ea"/>
+          <a:cs typeface="+mn-cs"/>
+        </a:defRPr>
+      </a:lvl6pPr>
+      <a:lvl7pPr marL="3962301" indent="-304792" algn="l" defTabSz="1219170" rtl="0" eaLnBrk="1" latinLnBrk="0" hangingPunct="1">
+        <a:spcBef>
+          <a:spcPct val="20000"/>
+        </a:spcBef>
+        <a:buFont typeface="Arial" pitchFamily="34" charset="0"/>
+        <a:buChar char="•"/>
+        <a:defRPr sz="2667" kern="1200">
+          <a:solidFill>
+            <a:schemeClr val="tx1"/>
+          </a:solidFill>
+          <a:latin typeface="+mn-lt"/>
+          <a:ea typeface="+mn-ea"/>
+          <a:cs typeface="+mn-cs"/>
+        </a:defRPr>
+      </a:lvl7pPr>
+      <a:lvl8pPr marL="4571886" indent="-304792" algn="l" defTabSz="1219170" rtl="0" eaLnBrk="1" latinLnBrk="0" hangingPunct="1">
+        <a:spcBef>
+          <a:spcPct val="20000"/>
+        </a:spcBef>
+        <a:buFont typeface="Arial" pitchFamily="34" charset="0"/>
+        <a:buChar char="•"/>
+        <a:defRPr sz="2667" kern="1200">
+          <a:solidFill>
+            <a:schemeClr val="tx1"/>
+          </a:solidFill>
+          <a:latin typeface="+mn-lt"/>
+          <a:ea typeface="+mn-ea"/>
+          <a:cs typeface="+mn-cs"/>
+        </a:defRPr>
+      </a:lvl8pPr>
+      <a:lvl9pPr marL="5181470" indent="-304792" algn="l" defTabSz="1219170" rtl="0" eaLnBrk="1" latinLnBrk="0" hangingPunct="1">
+        <a:spcBef>
+          <a:spcPct val="20000"/>
+        </a:spcBef>
+        <a:buFont typeface="Arial" pitchFamily="34" charset="0"/>
+        <a:buChar char="•"/>
+        <a:defRPr sz="2667" kern="1200">
+          <a:solidFill>
+            <a:schemeClr val="tx1"/>
+          </a:solidFill>
+          <a:latin typeface="+mn-lt"/>
+          <a:ea typeface="+mn-ea"/>
+          <a:cs typeface="+mn-cs"/>
+        </a:defRPr>
+      </a:lvl9pPr>
+    </p:bodyStyle>
+    <p:otherStyle>
+      <a:defPPr>
+        <a:defRPr lang="de-DE"/>
+      </a:defPPr>
+      <a:lvl1pPr marL="0" algn="l" defTabSz="1219170" rtl="0" eaLnBrk="1" latinLnBrk="0" hangingPunct="1">
+        <a:defRPr sz="2400" kern="1200">
+          <a:solidFill>
+            <a:schemeClr val="tx1"/>
+          </a:solidFill>
+          <a:latin typeface="+mn-lt"/>
+          <a:ea typeface="+mn-ea"/>
+          <a:cs typeface="+mn-cs"/>
+        </a:defRPr>
+      </a:lvl1pPr>
+      <a:lvl2pPr marL="609585" algn="l" defTabSz="1219170" rtl="0" eaLnBrk="1" latinLnBrk="0" hangingPunct="1">
+        <a:defRPr sz="2400" kern="1200">
+          <a:solidFill>
+            <a:schemeClr val="tx1"/>
+          </a:solidFill>
+          <a:latin typeface="+mn-lt"/>
+          <a:ea typeface="+mn-ea"/>
+          <a:cs typeface="+mn-cs"/>
+        </a:defRPr>
+      </a:lvl2pPr>
+      <a:lvl3pPr marL="1219170" algn="l" defTabSz="1219170" rtl="0" eaLnBrk="1" latinLnBrk="0" hangingPunct="1">
+        <a:defRPr sz="2400" kern="1200">
+          <a:solidFill>
+            <a:schemeClr val="tx1"/>
+          </a:solidFill>
+          <a:latin typeface="+mn-lt"/>
+          <a:ea typeface="+mn-ea"/>
+          <a:cs typeface="+mn-cs"/>
+        </a:defRPr>
+      </a:lvl3pPr>
+      <a:lvl4pPr marL="1828754" algn="l" defTabSz="1219170" rtl="0" eaLnBrk="1" latinLnBrk="0" hangingPunct="1">
+        <a:defRPr sz="2400" kern="1200">
+          <a:solidFill>
+            <a:schemeClr val="tx1"/>
+          </a:solidFill>
+          <a:latin typeface="+mn-lt"/>
+          <a:ea typeface="+mn-ea"/>
+          <a:cs typeface="+mn-cs"/>
+        </a:defRPr>
+      </a:lvl4pPr>
+      <a:lvl5pPr marL="2438339" algn="l" defTabSz="1219170" rtl="0" eaLnBrk="1" latinLnBrk="0" hangingPunct="1">
+        <a:defRPr sz="2400" kern="1200">
+          <a:solidFill>
+            <a:schemeClr val="tx1"/>
+          </a:solidFill>
+          <a:latin typeface="+mn-lt"/>
+          <a:ea typeface="+mn-ea"/>
+          <a:cs typeface="+mn-cs"/>
+        </a:defRPr>
+      </a:lvl5pPr>
+      <a:lvl6pPr marL="3047924" algn="l" defTabSz="1219170" rtl="0" eaLnBrk="1" latinLnBrk="0" hangingPunct="1">
+        <a:defRPr sz="2400" kern="1200">
+          <a:solidFill>
+            <a:schemeClr val="tx1"/>
+          </a:solidFill>
+          <a:latin typeface="+mn-lt"/>
+          <a:ea typeface="+mn-ea"/>
+          <a:cs typeface="+mn-cs"/>
+        </a:defRPr>
+      </a:lvl6pPr>
+      <a:lvl7pPr marL="3657509" algn="l" defTabSz="1219170" rtl="0" eaLnBrk="1" latinLnBrk="0" hangingPunct="1">
+        <a:defRPr sz="2400" kern="1200">
+          <a:solidFill>
+            <a:schemeClr val="tx1"/>
+          </a:solidFill>
+          <a:latin typeface="+mn-lt"/>
+          <a:ea typeface="+mn-ea"/>
+          <a:cs typeface="+mn-cs"/>
+        </a:defRPr>
+      </a:lvl7pPr>
+      <a:lvl8pPr marL="4267093" algn="l" defTabSz="1219170" rtl="0" eaLnBrk="1" latinLnBrk="0" hangingPunct="1">
+        <a:defRPr sz="2400" kern="1200">
+          <a:solidFill>
+            <a:schemeClr val="tx1"/>
+          </a:solidFill>
+          <a:latin typeface="+mn-lt"/>
+          <a:ea typeface="+mn-ea"/>
+          <a:cs typeface="+mn-cs"/>
+        </a:defRPr>
+      </a:lvl8pPr>
+      <a:lvl9pPr marL="4876678" algn="l" defTabSz="1219170" rtl="0" eaLnBrk="1" latinLnBrk="0" hangingPunct="1">
+        <a:defRPr sz="2400" kern="1200">
+          <a:solidFill>
+            <a:schemeClr val="tx1"/>
+          </a:solidFill>
+          <a:latin typeface="+mn-lt"/>
+          <a:ea typeface="+mn-ea"/>
+          <a:cs typeface="+mn-cs"/>
+        </a:defRPr>
+      </a:lvl9pPr>
+    </p:otherStyle>
+  </p:txStyles>
+</p:sldMaster>
+</file>
+
 <file path=ppt/slides/slide1.xml><?xml version="1.0" encoding="utf-8"?>
 <p:sld xmlns:a="http://schemas.openxmlformats.org/drawingml/2006/main" xmlns:r="http://schemas.openxmlformats.org/officeDocument/2006/relationships" xmlns:p="http://schemas.openxmlformats.org/presentationml/2006/main">
   <p:cSld>
@@ -3794,67 +4620,66 @@
           <a:chExt cx="0" cy="0"/>
         </a:xfrm>
       </p:grpSpPr>
-      <p:pic>
-        <p:nvPicPr>
-          <p:cNvPr id="7" name="图片 6">
-            <a:extLst>
-              <a:ext uri="{FF2B5EF4-FFF2-40B4-BE49-F238E27FC236}">
-                <a16:creationId xmlns:a16="http://schemas.microsoft.com/office/drawing/2014/main" id="{E2EF0E96-916D-564E-C96C-DE4F2589220F}"/>
-              </a:ext>
-            </a:extLst>
-          </p:cNvPr>
-          <p:cNvPicPr>
-            <a:picLocks noChangeAspect="1"/>
-          </p:cNvPicPr>
-          <p:nvPr/>
-        </p:nvPicPr>
-        <p:blipFill>
-          <a:blip r:embed="rId2"/>
-          <a:stretch>
-            <a:fillRect/>
-          </a:stretch>
-        </p:blipFill>
-        <p:spPr>
-          <a:xfrm>
-            <a:off x="10214811" y="192089"/>
-            <a:ext cx="1270905" cy="659432"/>
-          </a:xfrm>
-          <a:prstGeom prst="rect">
-            <a:avLst/>
-          </a:prstGeom>
-        </p:spPr>
-      </p:pic>
-      <p:sp>
-        <p:nvSpPr>
-          <p:cNvPr id="8" name="矩形 7">
-            <a:extLst>
-              <a:ext uri="{FF2B5EF4-FFF2-40B4-BE49-F238E27FC236}">
-                <a16:creationId xmlns:a16="http://schemas.microsoft.com/office/drawing/2014/main" id="{034B87E7-596A-23BE-D0E0-B5839CA508EF}"/>
-              </a:ext>
-            </a:extLst>
-          </p:cNvPr>
-          <p:cNvSpPr/>
-          <p:nvPr/>
-        </p:nvSpPr>
-        <p:spPr>
-          <a:xfrm>
-            <a:off x="727093" y="1910167"/>
-            <a:ext cx="5368907" cy="477054"/>
-          </a:xfrm>
-          <a:prstGeom prst="rect">
-            <a:avLst/>
-          </a:prstGeom>
-          <a:noFill/>
-        </p:spPr>
-        <p:txBody>
-          <a:bodyPr wrap="none" lIns="91440" tIns="45720" rIns="91440" bIns="45720">
-            <a:spAutoFit/>
-          </a:bodyPr>
-          <a:lstStyle/>
-          <a:p>
-            <a:pPr algn="ctr"/>
-            <a:r>
-              <a:rPr lang="en-US" altLang="zh-CN" sz="2500" b="0" cap="none" spc="0" dirty="0">
+      <p:sp>
+        <p:nvSpPr>
+          <p:cNvPr id="10" name="Titel 9"/>
+          <p:cNvSpPr>
+            <a:spLocks noGrp="1"/>
+          </p:cNvSpPr>
+          <p:nvPr>
+            <p:ph type="title"/>
+          </p:nvPr>
+        </p:nvSpPr>
+        <p:spPr>
+          <a:xfrm>
+            <a:off x="228697" y="1144949"/>
+            <a:ext cx="11704359" cy="501651"/>
+          </a:xfrm>
+        </p:spPr>
+        <p:txBody>
+          <a:bodyPr/>
+          <a:lstStyle/>
+          <a:p>
+            <a:r>
+              <a:rPr lang="en-US" altLang="zh-CN" sz="3600" dirty="0">
+                <a:ln w="0"/>
+                <a:effectLst>
+                  <a:outerShdw blurRad="38100" dist="19050" dir="2700000" algn="tl" rotWithShape="0">
+                    <a:schemeClr val="dk1">
+                      <a:alpha val="40000"/>
+                    </a:schemeClr>
+                  </a:outerShdw>
+                </a:effectLst>
+              </a:rPr>
+              <a:t>Intelligent Parking Lot</a:t>
+            </a:r>
+            <a:br>
+              <a:rPr lang="en-US" altLang="zh-CN" sz="3600" dirty="0">
+                <a:ln w="0"/>
+                <a:effectLst>
+                  <a:outerShdw blurRad="38100" dist="19050" dir="2700000" algn="tl" rotWithShape="0">
+                    <a:schemeClr val="dk1">
+                      <a:alpha val="40000"/>
+                    </a:schemeClr>
+                  </a:outerShdw>
+                </a:effectLst>
+              </a:rPr>
+            </a:br>
+            <a:r>
+              <a:rPr lang="en-US" altLang="zh-CN" sz="3600" dirty="0">
+                <a:ln w="0"/>
+                <a:effectLst>
+                  <a:outerShdw blurRad="38100" dist="19050" dir="2700000" algn="tl" rotWithShape="0">
+                    <a:schemeClr val="dk1">
+                      <a:alpha val="40000"/>
+                    </a:schemeClr>
+                  </a:outerShdw>
+                </a:effectLst>
+              </a:rPr>
+              <a:t>WSN Lab Kick-Off Presentation Group 2 </a:t>
+            </a:r>
+            <a:br>
+              <a:rPr lang="zh-CN" altLang="en-US" sz="3600" dirty="0">
                 <a:ln w="0"/>
                 <a:solidFill>
                   <a:schemeClr val="tx1"/>
@@ -3867,133 +4692,9 @@
                   </a:outerShdw>
                 </a:effectLst>
               </a:rPr>
-              <a:t>WSN Lab Kick-Off Presentation Group 2 </a:t>
-            </a:r>
-            <a:endParaRPr lang="zh-CN" altLang="en-US" sz="2500" b="0" cap="none" spc="0" dirty="0">
-              <a:ln w="0"/>
-              <a:solidFill>
-                <a:schemeClr val="tx1"/>
-              </a:solidFill>
-              <a:effectLst>
-                <a:outerShdw blurRad="38100" dist="19050" dir="2700000" algn="tl" rotWithShape="0">
-                  <a:schemeClr val="dk1">
-                    <a:alpha val="40000"/>
-                  </a:schemeClr>
-                </a:outerShdw>
-              </a:effectLst>
-            </a:endParaRPr>
-          </a:p>
-        </p:txBody>
-      </p:sp>
-      <p:sp>
-        <p:nvSpPr>
-          <p:cNvPr id="11" name="文本框 10">
-            <a:extLst>
-              <a:ext uri="{FF2B5EF4-FFF2-40B4-BE49-F238E27FC236}">
-                <a16:creationId xmlns:a16="http://schemas.microsoft.com/office/drawing/2014/main" id="{532EF073-DF29-9CF7-4522-D189D57C8657}"/>
-              </a:ext>
-            </a:extLst>
-          </p:cNvPr>
-          <p:cNvSpPr txBox="1"/>
-          <p:nvPr/>
-        </p:nvSpPr>
-        <p:spPr>
-          <a:xfrm>
-            <a:off x="744077" y="3068052"/>
-            <a:ext cx="4138863" cy="1938992"/>
-          </a:xfrm>
-          <a:prstGeom prst="rect">
-            <a:avLst/>
-          </a:prstGeom>
-          <a:noFill/>
-        </p:spPr>
-        <p:txBody>
-          <a:bodyPr wrap="square" rtlCol="0">
-            <a:spAutoFit/>
-          </a:bodyPr>
-          <a:lstStyle/>
-          <a:p>
-            <a:r>
-              <a:rPr lang="en-US" altLang="zh-CN" sz="2200" b="1" dirty="0"/>
-              <a:t>Chi Xia</a:t>
-            </a:r>
-          </a:p>
-          <a:p>
-            <a:r>
-              <a:rPr lang="en-US" altLang="zh-CN" dirty="0">
-                <a:hlinkClick r:id="rId3"/>
-              </a:rPr>
-              <a:t>chi.xia@tum.de</a:t>
-            </a:r>
-            <a:endParaRPr lang="en-US" altLang="zh-CN" dirty="0"/>
-          </a:p>
-          <a:p>
-            <a:r>
-              <a:rPr lang="en-US" altLang="zh-CN" sz="2200" b="1" dirty="0"/>
-              <a:t>Zhihao Deng</a:t>
-            </a:r>
-          </a:p>
-          <a:p>
-            <a:r>
-              <a:rPr lang="en-US" altLang="zh-CN" dirty="0">
-                <a:hlinkClick r:id="rId4"/>
-              </a:rPr>
-              <a:t>zhihao.deng@tum.de</a:t>
-            </a:r>
-            <a:endParaRPr lang="en-US" altLang="zh-CN" dirty="0"/>
-          </a:p>
-          <a:p>
-            <a:r>
-              <a:rPr lang="en-US" altLang="zh-CN" sz="2200" b="1" dirty="0" err="1"/>
-              <a:t>Kaikang</a:t>
-            </a:r>
-            <a:r>
-              <a:rPr lang="en-US" altLang="zh-CN" sz="2200" b="1" dirty="0"/>
-              <a:t> Huang</a:t>
-            </a:r>
-          </a:p>
-          <a:p>
-            <a:r>
-              <a:rPr lang="en-US" altLang="zh-CN" dirty="0">
-                <a:hlinkClick r:id="rId5"/>
-              </a:rPr>
-              <a:t>go49jan@mytum.de</a:t>
-            </a:r>
-            <a:endParaRPr lang="zh-CN" altLang="en-US" dirty="0"/>
-          </a:p>
-        </p:txBody>
-      </p:sp>
-      <p:sp>
-        <p:nvSpPr>
-          <p:cNvPr id="12" name="矩形 11">
-            <a:extLst>
-              <a:ext uri="{FF2B5EF4-FFF2-40B4-BE49-F238E27FC236}">
-                <a16:creationId xmlns:a16="http://schemas.microsoft.com/office/drawing/2014/main" id="{045480B2-6304-8785-9A6E-59DACA3D494E}"/>
-              </a:ext>
-            </a:extLst>
-          </p:cNvPr>
-          <p:cNvSpPr/>
-          <p:nvPr/>
-        </p:nvSpPr>
-        <p:spPr>
-          <a:xfrm>
-            <a:off x="610490" y="521805"/>
-            <a:ext cx="6299289" cy="923330"/>
-          </a:xfrm>
-          <a:prstGeom prst="rect">
-            <a:avLst/>
-          </a:prstGeom>
-          <a:noFill/>
-        </p:spPr>
-        <p:txBody>
-          <a:bodyPr wrap="none" lIns="91440" tIns="45720" rIns="91440" bIns="45720">
-            <a:spAutoFit/>
-          </a:bodyPr>
-          <a:lstStyle/>
-          <a:p>
-            <a:pPr algn="ctr"/>
-            <a:r>
-              <a:rPr lang="en-US" altLang="zh-CN" sz="5400" b="0" cap="none" spc="0" dirty="0">
+            </a:br>
+            <a:br>
+              <a:rPr lang="zh-CN" altLang="en-US" sz="3600" dirty="0">
                 <a:ln w="0"/>
                 <a:solidFill>
                   <a:schemeClr val="tx1"/>
@@ -4006,30 +4707,184 @@
                   </a:outerShdw>
                 </a:effectLst>
               </a:rPr>
-              <a:t>Intelligent Parking Lot</a:t>
-            </a:r>
-            <a:endParaRPr lang="zh-CN" altLang="en-US" sz="5400" b="0" cap="none" spc="0" dirty="0">
-              <a:ln w="0"/>
-              <a:solidFill>
-                <a:schemeClr val="tx1"/>
-              </a:solidFill>
-              <a:effectLst>
-                <a:outerShdw blurRad="38100" dist="19050" dir="2700000" algn="tl" rotWithShape="0">
-                  <a:schemeClr val="dk1">
-                    <a:alpha val="40000"/>
-                  </a:schemeClr>
-                </a:outerShdw>
-              </a:effectLst>
-            </a:endParaRPr>
+            </a:br>
+            <a:br>
+              <a:rPr lang="de-DE" dirty="0"/>
+            </a:br>
+            <a:br>
+              <a:rPr lang="de-DE" dirty="0"/>
+            </a:br>
+            <a:br>
+              <a:rPr lang="de-DE" dirty="0"/>
+            </a:br>
+            <a:r>
+              <a:rPr lang="de-DE" dirty="0"/>
+              <a:t> </a:t>
+            </a:r>
+          </a:p>
+        </p:txBody>
+      </p:sp>
+      <p:sp>
+        <p:nvSpPr>
+          <p:cNvPr id="3" name="Inhaltsplatzhalter 2"/>
+          <p:cNvSpPr>
+            <a:spLocks noGrp="1"/>
+          </p:cNvSpPr>
+          <p:nvPr>
+            <p:ph idx="10"/>
+          </p:nvPr>
+        </p:nvSpPr>
+        <p:spPr>
+          <a:xfrm>
+            <a:off x="228697" y="3944816"/>
+            <a:ext cx="11345332" cy="2221523"/>
+          </a:xfrm>
+        </p:spPr>
+        <p:txBody>
+          <a:bodyPr/>
+          <a:lstStyle/>
+          <a:p>
+            <a:endParaRPr lang="de-DE" dirty="0"/>
+          </a:p>
+          <a:p>
+            <a:r>
+              <a:rPr lang="de-DE" dirty="0"/>
+              <a:t>TUM School </a:t>
+            </a:r>
+            <a:r>
+              <a:rPr lang="de-DE" dirty="0" err="1"/>
+              <a:t>of</a:t>
+            </a:r>
+            <a:r>
+              <a:rPr lang="de-DE" dirty="0"/>
+              <a:t> </a:t>
+            </a:r>
+            <a:r>
+              <a:rPr lang="de-DE" dirty="0" err="1"/>
+              <a:t>Computation</a:t>
+            </a:r>
+            <a:r>
+              <a:rPr lang="de-DE" dirty="0"/>
+              <a:t>, Information and Technology </a:t>
+            </a:r>
+          </a:p>
+          <a:p>
+            <a:r>
+              <a:rPr lang="de-DE" dirty="0"/>
+              <a:t>Technical University </a:t>
+            </a:r>
+            <a:r>
+              <a:rPr lang="de-DE" dirty="0" err="1"/>
+              <a:t>of</a:t>
+            </a:r>
+            <a:r>
+              <a:rPr lang="de-DE" dirty="0"/>
+              <a:t> Munich</a:t>
+            </a:r>
+          </a:p>
+          <a:p>
+            <a:r>
+              <a:rPr lang="de-DE" dirty="0"/>
+              <a:t>Munich, 03. Juni 2025</a:t>
+            </a:r>
+          </a:p>
+        </p:txBody>
+      </p:sp>
+      <p:sp>
+        <p:nvSpPr>
+          <p:cNvPr id="2" name="文本框 1">
+            <a:extLst>
+              <a:ext uri="{FF2B5EF4-FFF2-40B4-BE49-F238E27FC236}">
+                <a16:creationId xmlns:a16="http://schemas.microsoft.com/office/drawing/2014/main" id="{CA58D3CE-12FE-3B2C-49F9-2FA01E7DE102}"/>
+              </a:ext>
+            </a:extLst>
+          </p:cNvPr>
+          <p:cNvSpPr txBox="1"/>
+          <p:nvPr/>
+        </p:nvSpPr>
+        <p:spPr>
+          <a:xfrm>
+            <a:off x="181805" y="2459504"/>
+            <a:ext cx="4138863" cy="1938992"/>
+          </a:xfrm>
+          <a:prstGeom prst="rect">
+            <a:avLst/>
+          </a:prstGeom>
+          <a:noFill/>
+        </p:spPr>
+        <p:txBody>
+          <a:bodyPr wrap="square" rtlCol="0">
+            <a:spAutoFit/>
+          </a:bodyPr>
+          <a:lstStyle/>
+          <a:p>
+            <a:r>
+              <a:rPr lang="en-US" altLang="zh-CN" sz="2200" b="1" dirty="0">
+                <a:solidFill>
+                  <a:schemeClr val="bg1"/>
+                </a:solidFill>
+              </a:rPr>
+              <a:t>Chi Xia</a:t>
+            </a:r>
+          </a:p>
+          <a:p>
+            <a:r>
+              <a:rPr lang="en-US" altLang="zh-CN" dirty="0">
+                <a:hlinkClick r:id="rId2"/>
+              </a:rPr>
+              <a:t>chi.xia@tum.de</a:t>
+            </a:r>
+            <a:endParaRPr lang="en-US" altLang="zh-CN" dirty="0"/>
+          </a:p>
+          <a:p>
+            <a:r>
+              <a:rPr lang="en-US" altLang="zh-CN" sz="2200" b="1" dirty="0">
+                <a:solidFill>
+                  <a:schemeClr val="bg1"/>
+                </a:solidFill>
+              </a:rPr>
+              <a:t>Zhihao Deng</a:t>
+            </a:r>
+          </a:p>
+          <a:p>
+            <a:r>
+              <a:rPr lang="en-US" altLang="zh-CN" dirty="0">
+                <a:hlinkClick r:id="rId3"/>
+              </a:rPr>
+              <a:t>zhihao.deng@tum.de</a:t>
+            </a:r>
+            <a:endParaRPr lang="en-US" altLang="zh-CN" dirty="0"/>
+          </a:p>
+          <a:p>
+            <a:r>
+              <a:rPr lang="en-US" altLang="zh-CN" sz="2200" b="1" dirty="0" err="1">
+                <a:solidFill>
+                  <a:schemeClr val="bg1"/>
+                </a:solidFill>
+              </a:rPr>
+              <a:t>Kaikang</a:t>
+            </a:r>
+            <a:r>
+              <a:rPr lang="en-US" altLang="zh-CN" sz="2200" b="1" dirty="0">
+                <a:solidFill>
+                  <a:schemeClr val="bg1"/>
+                </a:solidFill>
+              </a:rPr>
+              <a:t> Huang</a:t>
+            </a:r>
+          </a:p>
+          <a:p>
+            <a:r>
+              <a:rPr lang="en-US" altLang="zh-CN" dirty="0">
+                <a:hlinkClick r:id="rId4"/>
+              </a:rPr>
+              <a:t>go49jan@mytum.de</a:t>
+            </a:r>
+            <a:endParaRPr lang="zh-CN" altLang="en-US" dirty="0"/>
           </a:p>
         </p:txBody>
       </p:sp>
     </p:spTree>
-    <p:extLst>
-      <p:ext uri="{BB962C8B-B14F-4D97-AF65-F5344CB8AC3E}">
-        <p14:creationId xmlns:p14="http://schemas.microsoft.com/office/powerpoint/2010/main" val="3217427334"/>
-      </p:ext>
-    </p:extLst>
   </p:cSld>
   <p:clrMapOvr>
     <a:masterClrMapping/>
@@ -6551,17 +7406,14 @@
               <a:rPr lang="en-US" altLang="zh-CN" sz="2000" dirty="0"/>
               <a:t>Apply some algorithm to save energy</a:t>
             </a:r>
-          </a:p>
-          <a:p>
-            <a:pPr marL="342900" indent="-342900">
-              <a:buFont typeface="Arial" panose="020B0604020202020204" pitchFamily="34" charset="0"/>
-              <a:buChar char="•"/>
-            </a:pPr>
-            <a:r>
-              <a:rPr lang="en-US" altLang="zh-CN" sz="2000"/>
-              <a:t>Radio-Duty-Cycle (RDC)</a:t>
-            </a:r>
-            <a:endParaRPr lang="en-US" altLang="zh-CN" sz="2000" dirty="0"/>
+            <a:r>
+              <a:rPr lang="zh-CN" altLang="en-US" sz="2000" dirty="0"/>
+              <a:t>， </a:t>
+            </a:r>
+            <a:r>
+              <a:rPr lang="en-US" altLang="zh-CN" sz="2000" dirty="0"/>
+              <a:t>i.e. Radio-Duty-Cycle (RDC)</a:t>
+            </a:r>
           </a:p>
         </p:txBody>
       </p:sp>
@@ -11420,4 +12272,290 @@
     </a:ext>
   </a:extLst>
 </a:theme>
+</file>
+
+<file path=ppt/theme/theme2.xml><?xml version="1.0" encoding="utf-8"?>
+<a:theme xmlns:a="http://schemas.openxmlformats.org/drawingml/2006/main" name="Titel 2">
+  <a:themeElements>
+    <a:clrScheme name="TUM">
+      <a:dk1>
+        <a:sysClr val="windowText" lastClr="000000"/>
+      </a:dk1>
+      <a:lt1>
+        <a:sysClr val="window" lastClr="FFFFFF"/>
+      </a:lt1>
+      <a:dk2>
+        <a:srgbClr val="0065BD"/>
+      </a:dk2>
+      <a:lt2>
+        <a:srgbClr val="EEECE1"/>
+      </a:lt2>
+      <a:accent1>
+        <a:srgbClr val="005293"/>
+      </a:accent1>
+      <a:accent2>
+        <a:srgbClr val="98C6EA"/>
+      </a:accent2>
+      <a:accent3>
+        <a:srgbClr val="64A0C8"/>
+      </a:accent3>
+      <a:accent4>
+        <a:srgbClr val="DAD7CB"/>
+      </a:accent4>
+      <a:accent5>
+        <a:srgbClr val="A2AD00"/>
+      </a:accent5>
+      <a:accent6>
+        <a:srgbClr val="E37222"/>
+      </a:accent6>
+      <a:hlink>
+        <a:srgbClr val="0000FF"/>
+      </a:hlink>
+      <a:folHlink>
+        <a:srgbClr val="800080"/>
+      </a:folHlink>
+    </a:clrScheme>
+    <a:fontScheme name="TUM Arial">
+      <a:majorFont>
+        <a:latin typeface="Arial"/>
+        <a:ea typeface=""/>
+        <a:cs typeface=""/>
+      </a:majorFont>
+      <a:minorFont>
+        <a:latin typeface="Arial"/>
+        <a:ea typeface=""/>
+        <a:cs typeface=""/>
+      </a:minorFont>
+    </a:fontScheme>
+    <a:fmtScheme name="Larissa">
+      <a:fillStyleLst>
+        <a:solidFill>
+          <a:schemeClr val="phClr"/>
+        </a:solidFill>
+        <a:gradFill rotWithShape="1">
+          <a:gsLst>
+            <a:gs pos="0">
+              <a:schemeClr val="phClr">
+                <a:tint val="50000"/>
+                <a:satMod val="300000"/>
+              </a:schemeClr>
+            </a:gs>
+            <a:gs pos="35000">
+              <a:schemeClr val="phClr">
+                <a:tint val="37000"/>
+                <a:satMod val="300000"/>
+              </a:schemeClr>
+            </a:gs>
+            <a:gs pos="100000">
+              <a:schemeClr val="phClr">
+                <a:tint val="15000"/>
+                <a:satMod val="350000"/>
+              </a:schemeClr>
+            </a:gs>
+          </a:gsLst>
+          <a:lin ang="16200000" scaled="1"/>
+        </a:gradFill>
+        <a:gradFill rotWithShape="1">
+          <a:gsLst>
+            <a:gs pos="0">
+              <a:schemeClr val="phClr">
+                <a:shade val="51000"/>
+                <a:satMod val="130000"/>
+              </a:schemeClr>
+            </a:gs>
+            <a:gs pos="80000">
+              <a:schemeClr val="phClr">
+                <a:shade val="93000"/>
+                <a:satMod val="130000"/>
+              </a:schemeClr>
+            </a:gs>
+            <a:gs pos="100000">
+              <a:schemeClr val="phClr">
+                <a:shade val="94000"/>
+                <a:satMod val="135000"/>
+              </a:schemeClr>
+            </a:gs>
+          </a:gsLst>
+          <a:lin ang="16200000" scaled="0"/>
+        </a:gradFill>
+      </a:fillStyleLst>
+      <a:lnStyleLst>
+        <a:ln w="9525" cap="flat" cmpd="sng" algn="ctr">
+          <a:solidFill>
+            <a:schemeClr val="phClr">
+              <a:shade val="95000"/>
+              <a:satMod val="105000"/>
+            </a:schemeClr>
+          </a:solidFill>
+          <a:prstDash val="solid"/>
+        </a:ln>
+        <a:ln w="25400" cap="flat" cmpd="sng" algn="ctr">
+          <a:solidFill>
+            <a:schemeClr val="phClr"/>
+          </a:solidFill>
+          <a:prstDash val="solid"/>
+        </a:ln>
+        <a:ln w="38100" cap="flat" cmpd="sng" algn="ctr">
+          <a:solidFill>
+            <a:schemeClr val="phClr"/>
+          </a:solidFill>
+          <a:prstDash val="solid"/>
+        </a:ln>
+      </a:lnStyleLst>
+      <a:effectStyleLst>
+        <a:effectStyle>
+          <a:effectLst>
+            <a:outerShdw blurRad="40000" dist="20000" dir="5400000" rotWithShape="0">
+              <a:srgbClr val="000000">
+                <a:alpha val="38000"/>
+              </a:srgbClr>
+            </a:outerShdw>
+          </a:effectLst>
+        </a:effectStyle>
+        <a:effectStyle>
+          <a:effectLst>
+            <a:outerShdw blurRad="40000" dist="23000" dir="5400000" rotWithShape="0">
+              <a:srgbClr val="000000">
+                <a:alpha val="35000"/>
+              </a:srgbClr>
+            </a:outerShdw>
+          </a:effectLst>
+        </a:effectStyle>
+        <a:effectStyle>
+          <a:effectLst>
+            <a:outerShdw blurRad="40000" dist="23000" dir="5400000" rotWithShape="0">
+              <a:srgbClr val="000000">
+                <a:alpha val="35000"/>
+              </a:srgbClr>
+            </a:outerShdw>
+          </a:effectLst>
+          <a:scene3d>
+            <a:camera prst="orthographicFront">
+              <a:rot lat="0" lon="0" rev="0"/>
+            </a:camera>
+            <a:lightRig rig="threePt" dir="t">
+              <a:rot lat="0" lon="0" rev="1200000"/>
+            </a:lightRig>
+          </a:scene3d>
+          <a:sp3d>
+            <a:bevelT w="63500" h="25400"/>
+          </a:sp3d>
+        </a:effectStyle>
+      </a:effectStyleLst>
+      <a:bgFillStyleLst>
+        <a:solidFill>
+          <a:schemeClr val="phClr"/>
+        </a:solidFill>
+        <a:gradFill rotWithShape="1">
+          <a:gsLst>
+            <a:gs pos="0">
+              <a:schemeClr val="phClr">
+                <a:tint val="40000"/>
+                <a:satMod val="350000"/>
+              </a:schemeClr>
+            </a:gs>
+            <a:gs pos="40000">
+              <a:schemeClr val="phClr">
+                <a:tint val="45000"/>
+                <a:shade val="99000"/>
+                <a:satMod val="350000"/>
+              </a:schemeClr>
+            </a:gs>
+            <a:gs pos="100000">
+              <a:schemeClr val="phClr">
+                <a:shade val="20000"/>
+                <a:satMod val="255000"/>
+              </a:schemeClr>
+            </a:gs>
+          </a:gsLst>
+          <a:path path="circle">
+            <a:fillToRect l="50000" t="-80000" r="50000" b="180000"/>
+          </a:path>
+        </a:gradFill>
+        <a:gradFill rotWithShape="1">
+          <a:gsLst>
+            <a:gs pos="0">
+              <a:schemeClr val="phClr">
+                <a:tint val="80000"/>
+                <a:satMod val="300000"/>
+              </a:schemeClr>
+            </a:gs>
+            <a:gs pos="100000">
+              <a:schemeClr val="phClr">
+                <a:shade val="30000"/>
+                <a:satMod val="200000"/>
+              </a:schemeClr>
+            </a:gs>
+          </a:gsLst>
+          <a:path path="circle">
+            <a:fillToRect l="50000" t="50000" r="50000" b="50000"/>
+          </a:path>
+        </a:gradFill>
+      </a:bgFillStyleLst>
+    </a:fmtScheme>
+  </a:themeElements>
+  <a:objectDefaults>
+    <a:spDef>
+      <a:spPr>
+        <a:ln>
+          <a:noFill/>
+        </a:ln>
+      </a:spPr>
+      <a:bodyPr rot="0" spcFirstLastPara="0" vertOverflow="overflow" horzOverflow="overflow" vert="horz" wrap="square" lIns="91440" tIns="45720" rIns="91440" bIns="45720" numCol="1" spcCol="0" rtlCol="0" fromWordArt="0" anchor="t" anchorCtr="0" forceAA="0" compatLnSpc="1">
+        <a:prstTxWarp prst="textNoShape">
+          <a:avLst/>
+        </a:prstTxWarp>
+        <a:noAutofit/>
+      </a:bodyPr>
+      <a:lstStyle>
+        <a:defPPr>
+          <a:lnSpc>
+            <a:spcPct val="114000"/>
+          </a:lnSpc>
+          <a:defRPr dirty="0" smtClean="0"/>
+        </a:defPPr>
+      </a:lstStyle>
+      <a:style>
+        <a:lnRef idx="2">
+          <a:schemeClr val="accent1">
+            <a:shade val="50000"/>
+          </a:schemeClr>
+        </a:lnRef>
+        <a:fillRef idx="1">
+          <a:schemeClr val="accent1"/>
+        </a:fillRef>
+        <a:effectRef idx="0">
+          <a:schemeClr val="accent1"/>
+        </a:effectRef>
+        <a:fontRef idx="minor">
+          <a:schemeClr val="lt1"/>
+        </a:fontRef>
+      </a:style>
+    </a:spDef>
+    <a:txDef>
+      <a:spPr>
+        <a:noFill/>
+      </a:spPr>
+      <a:bodyPr wrap="square" lIns="0" tIns="0" rIns="0" bIns="0" rtlCol="0">
+        <a:spAutoFit/>
+      </a:bodyPr>
+      <a:lstStyle>
+        <a:defPPr>
+          <a:lnSpc>
+            <a:spcPct val="114000"/>
+          </a:lnSpc>
+          <a:defRPr sz="1600" dirty="0" err="1" smtClean="0">
+            <a:latin typeface="+mn-lt"/>
+          </a:defRPr>
+        </a:defPPr>
+      </a:lstStyle>
+    </a:txDef>
+  </a:objectDefaults>
+  <a:extraClrSchemeLst/>
+  <a:extLst>
+    <a:ext uri="{05A4C25C-085E-4340-85A3-A5531E510DB2}">
+      <thm15:themeFamily xmlns:thm15="http://schemas.microsoft.com/office/thememl/2012/main" name="Präsentation22" id="{F266FCC4-7D6D-1F4C-B467-8A21D017BCEF}" vid="{BD7862EB-E8D6-994B-BBF4-6CC3FFF92DD2}"/>
+    </a:ext>
+  </a:extLst>
+</a:theme>
 </file>